--- a/content/docs/theory-analysis/dagster-architecture-kubernetes/images/images.pptx
+++ b/content/docs/theory-analysis/dagster-architecture-kubernetes/images/images.pptx
@@ -5669,7 +5669,7 @@
             <a:pPr algn="ctr"/>
             <a:r>
               <a:rPr lang="en-US" altLang="ko-KR" sz="1100"/>
-              <a:t>Dagit</a:t>
+              <a:t>Dagster</a:t>
             </a:r>
           </a:p>
           <a:p>
@@ -5730,6 +5730,13 @@
         <p:txBody>
           <a:bodyPr rtlCol="0" anchor="ctr"/>
           <a:lstStyle/>
+          <a:p>
+            <a:pPr algn="ctr"/>
+            <a:r>
+              <a:rPr lang="en-US" altLang="ko-KR" sz="1100"/>
+              <a:t>Dagster</a:t>
+            </a:r>
+          </a:p>
           <a:p>
             <a:pPr algn="ctr"/>
             <a:r>
@@ -27488,7 +27495,7 @@
             <a:pPr algn="ctr"/>
             <a:r>
               <a:rPr lang="en-US" altLang="ko-KR" sz="1100"/>
-              <a:t>Dagit</a:t>
+              <a:t>Dagster</a:t>
             </a:r>
           </a:p>
           <a:p>
@@ -27549,6 +27556,13 @@
         <p:txBody>
           <a:bodyPr rtlCol="0" anchor="ctr"/>
           <a:lstStyle/>
+          <a:p>
+            <a:pPr algn="ctr"/>
+            <a:r>
+              <a:rPr lang="en-US" altLang="ko-KR" sz="1100"/>
+              <a:t>Dagster</a:t>
+            </a:r>
+          </a:p>
           <a:p>
             <a:pPr algn="ctr"/>
             <a:r>
@@ -33305,7 +33319,7 @@
             <a:pPr algn="ctr"/>
             <a:r>
               <a:rPr lang="en-US" altLang="ko-KR" sz="1100"/>
-              <a:t>Dagit</a:t>
+              <a:t>Dagster</a:t>
             </a:r>
           </a:p>
           <a:p>
@@ -33366,6 +33380,13 @@
         <p:txBody>
           <a:bodyPr rtlCol="0" anchor="ctr"/>
           <a:lstStyle/>
+          <a:p>
+            <a:pPr algn="ctr"/>
+            <a:r>
+              <a:rPr lang="en-US" altLang="ko-KR" sz="1100"/>
+              <a:t>Dagster</a:t>
+            </a:r>
+          </a:p>
           <a:p>
             <a:pPr algn="ctr"/>
             <a:r>

--- a/content/docs/theory-analysis/dagster-architecture-kubernetes/images/images.pptx
+++ b/content/docs/theory-analysis/dagster-architecture-kubernetes/images/images.pptx
@@ -232,7 +232,7 @@
           <a:p>
             <a:fld id="{6CD5550B-26C4-49A9-A5BA-636EF7BE6CE9}" type="datetimeFigureOut">
               <a:rPr lang="ko-KR" altLang="en-US" smtClean="0"/>
-              <a:t>2025. 4. 5.</a:t>
+              <a:t>2025. 4. 7.</a:t>
             </a:fld>
             <a:endParaRPr lang="ko-KR" altLang="en-US"/>
           </a:p>
@@ -678,7 +678,7 @@
           <a:p>
             <a:fld id="{FB30EDBD-1C2D-4C1E-B459-B60219FAB484}" type="datetimeFigureOut">
               <a:rPr lang="ko-KR" altLang="en-US" smtClean="0"/>
-              <a:t>2025. 4. 5.</a:t>
+              <a:t>2025. 4. 7.</a:t>
             </a:fld>
             <a:endParaRPr lang="ko-KR" altLang="en-US"/>
           </a:p>
@@ -841,7 +841,7 @@
           <a:p>
             <a:fld id="{FB30EDBD-1C2D-4C1E-B459-B60219FAB484}" type="datetimeFigureOut">
               <a:rPr lang="ko-KR" altLang="en-US" smtClean="0"/>
-              <a:t>2025. 4. 5.</a:t>
+              <a:t>2025. 4. 7.</a:t>
             </a:fld>
             <a:endParaRPr lang="ko-KR" altLang="en-US"/>
           </a:p>
@@ -1014,7 +1014,7 @@
           <a:p>
             <a:fld id="{FB30EDBD-1C2D-4C1E-B459-B60219FAB484}" type="datetimeFigureOut">
               <a:rPr lang="ko-KR" altLang="en-US" smtClean="0"/>
-              <a:t>2025. 4. 5.</a:t>
+              <a:t>2025. 4. 7.</a:t>
             </a:fld>
             <a:endParaRPr lang="ko-KR" altLang="en-US"/>
           </a:p>
@@ -1177,7 +1177,7 @@
           <a:p>
             <a:fld id="{FB30EDBD-1C2D-4C1E-B459-B60219FAB484}" type="datetimeFigureOut">
               <a:rPr lang="ko-KR" altLang="en-US" smtClean="0"/>
-              <a:t>2025. 4. 5.</a:t>
+              <a:t>2025. 4. 7.</a:t>
             </a:fld>
             <a:endParaRPr lang="ko-KR" altLang="en-US"/>
           </a:p>
@@ -1417,7 +1417,7 @@
           <a:p>
             <a:fld id="{FB30EDBD-1C2D-4C1E-B459-B60219FAB484}" type="datetimeFigureOut">
               <a:rPr lang="ko-KR" altLang="en-US" smtClean="0"/>
-              <a:t>2025. 4. 5.</a:t>
+              <a:t>2025. 4. 7.</a:t>
             </a:fld>
             <a:endParaRPr lang="ko-KR" altLang="en-US"/>
           </a:p>
@@ -1697,7 +1697,7 @@
           <a:p>
             <a:fld id="{FB30EDBD-1C2D-4C1E-B459-B60219FAB484}" type="datetimeFigureOut">
               <a:rPr lang="ko-KR" altLang="en-US" smtClean="0"/>
-              <a:t>2025. 4. 5.</a:t>
+              <a:t>2025. 4. 7.</a:t>
             </a:fld>
             <a:endParaRPr lang="ko-KR" altLang="en-US"/>
           </a:p>
@@ -2111,7 +2111,7 @@
           <a:p>
             <a:fld id="{FB30EDBD-1C2D-4C1E-B459-B60219FAB484}" type="datetimeFigureOut">
               <a:rPr lang="ko-KR" altLang="en-US" smtClean="0"/>
-              <a:t>2025. 4. 5.</a:t>
+              <a:t>2025. 4. 7.</a:t>
             </a:fld>
             <a:endParaRPr lang="ko-KR" altLang="en-US"/>
           </a:p>
@@ -2223,7 +2223,7 @@
           <a:p>
             <a:fld id="{FB30EDBD-1C2D-4C1E-B459-B60219FAB484}" type="datetimeFigureOut">
               <a:rPr lang="ko-KR" altLang="en-US" smtClean="0"/>
-              <a:t>2025. 4. 5.</a:t>
+              <a:t>2025. 4. 7.</a:t>
             </a:fld>
             <a:endParaRPr lang="ko-KR" altLang="en-US"/>
           </a:p>
@@ -2313,7 +2313,7 @@
           <a:p>
             <a:fld id="{FB30EDBD-1C2D-4C1E-B459-B60219FAB484}" type="datetimeFigureOut">
               <a:rPr lang="ko-KR" altLang="en-US" smtClean="0"/>
-              <a:t>2025. 4. 5.</a:t>
+              <a:t>2025. 4. 7.</a:t>
             </a:fld>
             <a:endParaRPr lang="ko-KR" altLang="en-US"/>
           </a:p>
@@ -2583,7 +2583,7 @@
           <a:p>
             <a:fld id="{FB30EDBD-1C2D-4C1E-B459-B60219FAB484}" type="datetimeFigureOut">
               <a:rPr lang="ko-KR" altLang="en-US" smtClean="0"/>
-              <a:t>2025. 4. 5.</a:t>
+              <a:t>2025. 4. 7.</a:t>
             </a:fld>
             <a:endParaRPr lang="ko-KR" altLang="en-US"/>
           </a:p>
@@ -2830,7 +2830,7 @@
           <a:p>
             <a:fld id="{FB30EDBD-1C2D-4C1E-B459-B60219FAB484}" type="datetimeFigureOut">
               <a:rPr lang="ko-KR" altLang="en-US" smtClean="0"/>
-              <a:t>2025. 4. 5.</a:t>
+              <a:t>2025. 4. 7.</a:t>
             </a:fld>
             <a:endParaRPr lang="ko-KR" altLang="en-US"/>
           </a:p>
@@ -3036,7 +3036,7 @@
           <a:p>
             <a:fld id="{FB30EDBD-1C2D-4C1E-B459-B60219FAB484}" type="datetimeFigureOut">
               <a:rPr lang="ko-KR" altLang="en-US" smtClean="0"/>
-              <a:t>2025. 4. 5.</a:t>
+              <a:t>2025. 4. 7.</a:t>
             </a:fld>
             <a:endParaRPr lang="ko-KR" altLang="en-US"/>
           </a:p>
@@ -5381,6 +5381,7 @@
               <a:rPr lang="en-US" altLang="ko-KR" sz="1100"/>
               <a:t>Database</a:t>
             </a:r>
+            <a:endParaRPr lang="en-US" altLang="ko-KR" sz="1100" b="1"/>
           </a:p>
           <a:p>
             <a:pPr algn="ctr"/>
@@ -27303,6 +27304,7 @@
               <a:rPr lang="en-US" altLang="ko-KR" sz="1100"/>
               <a:t>Database</a:t>
             </a:r>
+            <a:endParaRPr lang="en-US" altLang="ko-KR" sz="1100" b="1"/>
           </a:p>
           <a:p>
             <a:pPr algn="ctr"/>
@@ -33130,6 +33132,7 @@
               <a:rPr lang="en-US" altLang="ko-KR" sz="1100"/>
               <a:t>Database</a:t>
             </a:r>
+            <a:endParaRPr lang="en-US" altLang="ko-KR" sz="1100" b="1"/>
           </a:p>
           <a:p>
             <a:pPr algn="ctr"/>
@@ -34104,6 +34107,150 @@
           <a:prstGeom prst="bentConnector3">
             <a:avLst>
               <a:gd name="adj1" fmla="val 50000"/>
+            </a:avLst>
+          </a:prstGeom>
+          <a:ln w="9525">
+            <a:solidFill>
+              <a:schemeClr val="tx1"/>
+            </a:solidFill>
+            <a:tailEnd type="triangle"/>
+          </a:ln>
+        </p:spPr>
+        <p:style>
+          <a:lnRef idx="1">
+            <a:schemeClr val="accent1"/>
+          </a:lnRef>
+          <a:fillRef idx="0">
+            <a:schemeClr val="accent1"/>
+          </a:fillRef>
+          <a:effectRef idx="0">
+            <a:schemeClr val="accent1"/>
+          </a:effectRef>
+          <a:fontRef idx="minor">
+            <a:schemeClr val="tx1"/>
+          </a:fontRef>
+        </p:style>
+      </p:cxnSp>
+      <p:sp>
+        <p:nvSpPr>
+          <p:cNvPr id="83" name="사각형: 둥근 모서리 6">
+            <a:extLst>
+              <a:ext uri="{FF2B5EF4-FFF2-40B4-BE49-F238E27FC236}">
+                <a16:creationId xmlns:a16="http://schemas.microsoft.com/office/drawing/2014/main" id="{923333A1-E744-F642-B8A0-B2FF32582282}"/>
+              </a:ext>
+            </a:extLst>
+          </p:cNvPr>
+          <p:cNvSpPr/>
+          <p:nvPr/>
+        </p:nvSpPr>
+        <p:spPr>
+          <a:xfrm>
+            <a:off x="2572951" y="2757882"/>
+            <a:ext cx="596937" cy="379888"/>
+          </a:xfrm>
+          <a:prstGeom prst="roundRect">
+            <a:avLst>
+              <a:gd name="adj" fmla="val 12503"/>
+            </a:avLst>
+          </a:prstGeom>
+          <a:ln w="9525"/>
+        </p:spPr>
+        <p:style>
+          <a:lnRef idx="2">
+            <a:schemeClr val="dk1"/>
+          </a:lnRef>
+          <a:fillRef idx="1">
+            <a:schemeClr val="lt1"/>
+          </a:fillRef>
+          <a:effectRef idx="0">
+            <a:schemeClr val="dk1"/>
+          </a:effectRef>
+          <a:fontRef idx="minor">
+            <a:schemeClr val="dk1"/>
+          </a:fontRef>
+        </p:style>
+        <p:txBody>
+          <a:bodyPr rtlCol="0" anchor="ctr"/>
+          <a:lstStyle/>
+          <a:p>
+            <a:pPr algn="ctr"/>
+            <a:r>
+              <a:rPr lang="en-US" altLang="ko-KR" sz="1000"/>
+              <a:t>Flower</a:t>
+            </a:r>
+          </a:p>
+        </p:txBody>
+      </p:sp>
+      <p:cxnSp>
+        <p:nvCxnSpPr>
+          <p:cNvPr id="104" name="Elbow Connector 103">
+            <a:extLst>
+              <a:ext uri="{FF2B5EF4-FFF2-40B4-BE49-F238E27FC236}">
+                <a16:creationId xmlns:a16="http://schemas.microsoft.com/office/drawing/2014/main" id="{EB644C56-741B-6E45-9FA5-37FA1F158FC2}"/>
+              </a:ext>
+            </a:extLst>
+          </p:cNvPr>
+          <p:cNvCxnSpPr>
+            <a:cxnSpLocks/>
+            <a:stCxn id="83" idx="0"/>
+            <a:endCxn id="97" idx="2"/>
+          </p:cNvCxnSpPr>
+          <p:nvPr/>
+        </p:nvCxnSpPr>
+        <p:spPr>
+          <a:xfrm rot="16200000" flipV="1">
+            <a:off x="2502318" y="2388779"/>
+            <a:ext cx="297115" cy="441091"/>
+          </a:xfrm>
+          <a:prstGeom prst="bentConnector3">
+            <a:avLst>
+              <a:gd name="adj1" fmla="val 50000"/>
+            </a:avLst>
+          </a:prstGeom>
+          <a:ln w="9525">
+            <a:solidFill>
+              <a:schemeClr val="tx1"/>
+            </a:solidFill>
+            <a:tailEnd type="triangle"/>
+          </a:ln>
+        </p:spPr>
+        <p:style>
+          <a:lnRef idx="1">
+            <a:schemeClr val="accent1"/>
+          </a:lnRef>
+          <a:fillRef idx="0">
+            <a:schemeClr val="accent1"/>
+          </a:fillRef>
+          <a:effectRef idx="0">
+            <a:schemeClr val="accent1"/>
+          </a:effectRef>
+          <a:fontRef idx="minor">
+            <a:schemeClr val="tx1"/>
+          </a:fontRef>
+        </p:style>
+      </p:cxnSp>
+      <p:cxnSp>
+        <p:nvCxnSpPr>
+          <p:cNvPr id="115" name="Elbow Connector 114">
+            <a:extLst>
+              <a:ext uri="{FF2B5EF4-FFF2-40B4-BE49-F238E27FC236}">
+                <a16:creationId xmlns:a16="http://schemas.microsoft.com/office/drawing/2014/main" id="{84695FE6-087D-2C4B-9FE2-68BAC99492F4}"/>
+              </a:ext>
+            </a:extLst>
+          </p:cNvPr>
+          <p:cNvCxnSpPr>
+            <a:cxnSpLocks/>
+          </p:cNvCxnSpPr>
+          <p:nvPr/>
+        </p:nvCxnSpPr>
+        <p:spPr>
+          <a:xfrm rot="10800000" flipH="1" flipV="1">
+            <a:off x="474389" y="2182661"/>
+            <a:ext cx="1610808" cy="2387660"/>
+          </a:xfrm>
+          <a:prstGeom prst="bentConnector3">
+            <a:avLst>
+              <a:gd name="adj1" fmla="val -8749"/>
             </a:avLst>
           </a:prstGeom>
           <a:ln w="9525">
